--- a/Final Presentation/Recognition of Unistroke Gesture Sequences.pptx
+++ b/Final Presentation/Recognition of Unistroke Gesture Sequences.pptx
@@ -14,6 +14,7 @@
     <p:sldId id="261" r:id="rId8"/>
     <p:sldId id="263" r:id="rId9"/>
     <p:sldId id="264" r:id="rId10"/>
+    <p:sldId id="265" r:id="rId11"/>
   </p:sldIdLst>
   <p:sldSz cx="12188825" cy="6858000"/>
   <p:notesSz cx="6858000" cy="9144000"/>
@@ -112,6 +113,11 @@
       </a:defRPr>
     </a:lvl9pPr>
   </p:defaultTextStyle>
+  <p:extLst>
+    <p:ext uri="{EFAFB233-063F-42B5-8137-9DF3F51BA10A}">
+      <p15:sldGuideLst xmlns:p15="http://schemas.microsoft.com/office/powerpoint/2012/main"/>
+    </p:ext>
+  </p:extLst>
 </p:presentation>
 </file>
 
@@ -340,7 +346,7 @@
             <a:fld id="{B61BEF0D-F0BB-DE4B-95CE-6DB70DBA9567}" type="datetimeFigureOut">
               <a:rPr lang="en-US"/>
               <a:pPr/>
-              <a:t>12/4/2012</a:t>
+              <a:t>12/5/2012</a:t>
             </a:fld>
             <a:endParaRPr lang="en-US" dirty="0"/>
           </a:p>
@@ -699,7 +705,7 @@
             <a:fld id="{B61BEF0D-F0BB-DE4B-95CE-6DB70DBA9567}" type="datetimeFigureOut">
               <a:rPr lang="en-US"/>
               <a:pPr/>
-              <a:t>12/4/2012</a:t>
+              <a:t>12/5/2012</a:t>
             </a:fld>
             <a:endParaRPr lang="en-US"/>
           </a:p>
@@ -974,7 +980,7 @@
             <a:fld id="{B61BEF0D-F0BB-DE4B-95CE-6DB70DBA9567}" type="datetimeFigureOut">
               <a:rPr lang="en-US"/>
               <a:pPr/>
-              <a:t>12/4/2012</a:t>
+              <a:t>12/5/2012</a:t>
             </a:fld>
             <a:endParaRPr lang="en-US"/>
           </a:p>
@@ -1296,7 +1302,7 @@
             <a:fld id="{B61BEF0D-F0BB-DE4B-95CE-6DB70DBA9567}" type="datetimeFigureOut">
               <a:rPr lang="en-US"/>
               <a:pPr/>
-              <a:t>12/4/2012</a:t>
+              <a:t>12/5/2012</a:t>
             </a:fld>
             <a:endParaRPr lang="en-US"/>
           </a:p>
@@ -1920,7 +1926,7 @@
             <a:fld id="{B61BEF0D-F0BB-DE4B-95CE-6DB70DBA9567}" type="datetimeFigureOut">
               <a:rPr lang="en-US"/>
               <a:pPr/>
-              <a:t>12/4/2012</a:t>
+              <a:t>12/5/2012</a:t>
             </a:fld>
             <a:endParaRPr lang="en-US"/>
           </a:p>
@@ -2204,7 +2210,7 @@
             <a:fld id="{B61BEF0D-F0BB-DE4B-95CE-6DB70DBA9567}" type="datetimeFigureOut">
               <a:rPr lang="en-US"/>
               <a:pPr/>
-              <a:t>12/4/2012</a:t>
+              <a:t>12/5/2012</a:t>
             </a:fld>
             <a:endParaRPr lang="en-US"/>
           </a:p>
@@ -2823,7 +2829,7 @@
             <a:fld id="{B61BEF0D-F0BB-DE4B-95CE-6DB70DBA9567}" type="datetimeFigureOut">
               <a:rPr lang="en-US"/>
               <a:pPr/>
-              <a:t>12/4/2012</a:t>
+              <a:t>12/5/2012</a:t>
             </a:fld>
             <a:endParaRPr lang="en-US"/>
           </a:p>
@@ -3117,7 +3123,7 @@
             <a:fld id="{B61BEF0D-F0BB-DE4B-95CE-6DB70DBA9567}" type="datetimeFigureOut">
               <a:rPr lang="en-US"/>
               <a:pPr/>
-              <a:t>12/4/2012</a:t>
+              <a:t>12/5/2012</a:t>
             </a:fld>
             <a:endParaRPr lang="en-US"/>
           </a:p>
@@ -3362,7 +3368,7 @@
             <a:fld id="{B61BEF0D-F0BB-DE4B-95CE-6DB70DBA9567}" type="datetimeFigureOut">
               <a:rPr lang="en-US"/>
               <a:pPr/>
-              <a:t>12/4/2012</a:t>
+              <a:t>12/5/2012</a:t>
             </a:fld>
             <a:endParaRPr lang="en-US"/>
           </a:p>
@@ -3597,7 +3603,7 @@
             <a:fld id="{B61BEF0D-F0BB-DE4B-95CE-6DB70DBA9567}" type="datetimeFigureOut">
               <a:rPr lang="en-US"/>
               <a:pPr/>
-              <a:t>12/4/2012</a:t>
+              <a:t>12/5/2012</a:t>
             </a:fld>
             <a:endParaRPr lang="en-US"/>
           </a:p>
@@ -3910,7 +3916,7 @@
             <a:fld id="{B61BEF0D-F0BB-DE4B-95CE-6DB70DBA9567}" type="datetimeFigureOut">
               <a:rPr lang="en-US"/>
               <a:pPr/>
-              <a:t>12/4/2012</a:t>
+              <a:t>12/5/2012</a:t>
             </a:fld>
             <a:endParaRPr lang="en-US"/>
           </a:p>
@@ -4267,7 +4273,7 @@
             <a:fld id="{B61BEF0D-F0BB-DE4B-95CE-6DB70DBA9567}" type="datetimeFigureOut">
               <a:rPr lang="en-US"/>
               <a:pPr/>
-              <a:t>12/4/2012</a:t>
+              <a:t>12/5/2012</a:t>
             </a:fld>
             <a:endParaRPr lang="en-US"/>
           </a:p>
@@ -4770,7 +4776,7 @@
             <a:fld id="{B61BEF0D-F0BB-DE4B-95CE-6DB70DBA9567}" type="datetimeFigureOut">
               <a:rPr lang="en-US"/>
               <a:pPr/>
-              <a:t>12/4/2012</a:t>
+              <a:t>12/5/2012</a:t>
             </a:fld>
             <a:endParaRPr lang="en-US"/>
           </a:p>
@@ -4953,7 +4959,7 @@
             <a:fld id="{B61BEF0D-F0BB-DE4B-95CE-6DB70DBA9567}" type="datetimeFigureOut">
               <a:rPr lang="en-US"/>
               <a:pPr/>
-              <a:t>12/4/2012</a:t>
+              <a:t>12/5/2012</a:t>
             </a:fld>
             <a:endParaRPr lang="en-US"/>
           </a:p>
@@ -5113,7 +5119,7 @@
             <a:fld id="{B61BEF0D-F0BB-DE4B-95CE-6DB70DBA9567}" type="datetimeFigureOut">
               <a:rPr lang="en-US"/>
               <a:pPr/>
-              <a:t>12/4/2012</a:t>
+              <a:t>12/5/2012</a:t>
             </a:fld>
             <a:endParaRPr lang="en-US"/>
           </a:p>
@@ -5423,7 +5429,7 @@
             <a:fld id="{B61BEF0D-F0BB-DE4B-95CE-6DB70DBA9567}" type="datetimeFigureOut">
               <a:rPr lang="en-US"/>
               <a:pPr/>
-              <a:t>12/4/2012</a:t>
+              <a:t>12/5/2012</a:t>
             </a:fld>
             <a:endParaRPr lang="en-US"/>
           </a:p>
@@ -5684,7 +5690,7 @@
             <a:fld id="{B61BEF0D-F0BB-DE4B-95CE-6DB70DBA9567}" type="datetimeFigureOut">
               <a:rPr lang="en-US"/>
               <a:pPr/>
-              <a:t>12/4/2012</a:t>
+              <a:t>12/5/2012</a:t>
             </a:fld>
             <a:endParaRPr lang="en-US"/>
           </a:p>
@@ -5988,7 +5994,7 @@
             <a:fld id="{B61BEF0D-F0BB-DE4B-95CE-6DB70DBA9567}" type="datetimeFigureOut">
               <a:rPr lang="en-US" smtClean="0"/>
               <a:pPr/>
-              <a:t>12/4/2012</a:t>
+              <a:t>12/5/2012</a:t>
             </a:fld>
             <a:endParaRPr lang="en-US"/>
           </a:p>
@@ -6569,6 +6575,266 @@
 </p:sld>
 </file>
 
+<file path=ppt/slides/slide10.xml><?xml version="1.0" encoding="utf-8"?>
+<p:sld xmlns:a="http://schemas.openxmlformats.org/drawingml/2006/main" xmlns:r="http://schemas.openxmlformats.org/officeDocument/2006/relationships" xmlns:p="http://schemas.openxmlformats.org/presentationml/2006/main">
+  <p:cSld>
+    <p:spTree>
+      <p:nvGrpSpPr>
+        <p:cNvPr id="1" name=""/>
+        <p:cNvGrpSpPr/>
+        <p:nvPr/>
+      </p:nvGrpSpPr>
+      <p:grpSpPr>
+        <a:xfrm>
+          <a:off x="0" y="0"/>
+          <a:ext cx="0" cy="0"/>
+          <a:chOff x="0" y="0"/>
+          <a:chExt cx="0" cy="0"/>
+        </a:xfrm>
+      </p:grpSpPr>
+      <p:sp>
+        <p:nvSpPr>
+          <p:cNvPr id="2" name="Title 1"/>
+          <p:cNvSpPr>
+            <a:spLocks noGrp="1"/>
+          </p:cNvSpPr>
+          <p:nvPr>
+            <p:ph type="title"/>
+          </p:nvPr>
+        </p:nvSpPr>
+        <p:spPr/>
+        <p:txBody>
+          <a:bodyPr/>
+          <a:lstStyle/>
+          <a:p>
+            <a:r>
+              <a:rPr lang="en-US" dirty="0" smtClean="0"/>
+              <a:t>Refere</a:t>
+            </a:r>
+            <a:r>
+              <a:rPr lang="en-US" dirty="0" smtClean="0"/>
+              <a:t>nces</a:t>
+            </a:r>
+            <a:endParaRPr lang="en-US" dirty="0"/>
+          </a:p>
+        </p:txBody>
+      </p:sp>
+      <p:sp>
+        <p:nvSpPr>
+          <p:cNvPr id="9" name="Content Placeholder 8"/>
+          <p:cNvSpPr>
+            <a:spLocks noGrp="1"/>
+          </p:cNvSpPr>
+          <p:nvPr>
+            <p:ph idx="1"/>
+          </p:nvPr>
+        </p:nvSpPr>
+        <p:spPr/>
+        <p:txBody>
+          <a:bodyPr>
+            <a:normAutofit fontScale="77500" lnSpcReduction="20000"/>
+          </a:bodyPr>
+          <a:lstStyle/>
+          <a:p>
+            <a:pPr marL="0" indent="0">
+              <a:buNone/>
+            </a:pPr>
+            <a:r>
+              <a:rPr lang="en-US" dirty="0"/>
+              <a:t>[1] </a:t>
+            </a:r>
+            <a:r>
+              <a:rPr lang="en-US" dirty="0" err="1"/>
+              <a:t>Lyddane</a:t>
+            </a:r>
+            <a:r>
+              <a:rPr lang="en-US" dirty="0"/>
+              <a:t>, Donald. United states attorneys’ bulletin. </a:t>
+            </a:r>
+            <a:r>
+              <a:rPr lang="en-US" dirty="0" smtClean="0"/>
+              <a:t>Technical report</a:t>
+            </a:r>
+            <a:r>
+              <a:rPr lang="en-US" dirty="0"/>
+              <a:t>, United States Department of Justice </a:t>
+            </a:r>
+            <a:r>
+              <a:rPr lang="en-US" dirty="0" smtClean="0"/>
+              <a:t>Executive Office </a:t>
+            </a:r>
+            <a:r>
+              <a:rPr lang="en-US" dirty="0"/>
+              <a:t>for United States Attorneys, May 2006.</a:t>
+            </a:r>
+          </a:p>
+          <a:p>
+            <a:pPr marL="0" indent="0">
+              <a:buNone/>
+            </a:pPr>
+            <a:r>
+              <a:rPr lang="en-US" dirty="0"/>
+              <a:t>[2] J. Yang, Y. </a:t>
+            </a:r>
+            <a:r>
+              <a:rPr lang="en-US" dirty="0" err="1"/>
+              <a:t>Xu</a:t>
+            </a:r>
+            <a:r>
+              <a:rPr lang="en-US" dirty="0"/>
+              <a:t>, and C. S. Chen. Gesture interface: </a:t>
+            </a:r>
+            <a:r>
+              <a:rPr lang="en-US" dirty="0" smtClean="0"/>
+              <a:t>Modeling and </a:t>
+            </a:r>
+            <a:r>
+              <a:rPr lang="en-US" dirty="0"/>
+              <a:t>learning. In Robotics and Automation, </a:t>
+            </a:r>
+            <a:r>
+              <a:rPr lang="en-US" dirty="0" smtClean="0"/>
+              <a:t>1994. Proceedings</a:t>
+            </a:r>
+            <a:r>
+              <a:rPr lang="en-US" dirty="0"/>
+              <a:t>., 1994 IEEE International Conference on, </a:t>
+            </a:r>
+            <a:r>
+              <a:rPr lang="en-US" dirty="0" smtClean="0"/>
+              <a:t>pages 1747–1752</a:t>
+            </a:r>
+            <a:r>
+              <a:rPr lang="en-US" dirty="0"/>
+              <a:t>, 1994.</a:t>
+            </a:r>
+          </a:p>
+          <a:p>
+            <a:pPr marL="0" indent="0">
+              <a:buNone/>
+            </a:pPr>
+            <a:r>
+              <a:rPr lang="da-DK" dirty="0"/>
+              <a:t>[3] D. O. Tanguay Jr. Hidden markov models for </a:t>
+            </a:r>
+            <a:r>
+              <a:rPr lang="da-DK" dirty="0" smtClean="0"/>
+              <a:t>gesture </a:t>
+            </a:r>
+            <a:r>
+              <a:rPr lang="en-US" dirty="0" smtClean="0"/>
+              <a:t>recognition</a:t>
+            </a:r>
+            <a:r>
+              <a:rPr lang="en-US" dirty="0"/>
+              <a:t>. Master’s thesis, Massachusetts Institute </a:t>
+            </a:r>
+            <a:r>
+              <a:rPr lang="en-US" dirty="0" smtClean="0"/>
+              <a:t>of Technology</a:t>
+            </a:r>
+            <a:r>
+              <a:rPr lang="en-US" dirty="0"/>
+              <a:t>, 1995.</a:t>
+            </a:r>
+          </a:p>
+          <a:p>
+            <a:pPr marL="0" indent="0">
+              <a:buNone/>
+            </a:pPr>
+            <a:r>
+              <a:rPr lang="en-US" dirty="0"/>
+              <a:t>[4] J.O. Wobbrock, A.D. Wilson, and Y. Li. Gestures </a:t>
+            </a:r>
+            <a:r>
+              <a:rPr lang="en-US" dirty="0" smtClean="0"/>
+              <a:t>without libraries</a:t>
+            </a:r>
+            <a:r>
+              <a:rPr lang="en-US" dirty="0"/>
+              <a:t>, toolkits or training: a $1 recognizer for </a:t>
+            </a:r>
+            <a:r>
+              <a:rPr lang="en-US" dirty="0" smtClean="0"/>
+              <a:t>user interface </a:t>
+            </a:r>
+            <a:r>
+              <a:rPr lang="en-US" dirty="0"/>
+              <a:t>prototypes. In Proceedings of the 20th </a:t>
+            </a:r>
+            <a:r>
+              <a:rPr lang="en-US" dirty="0" smtClean="0"/>
+              <a:t>annual ACM </a:t>
+            </a:r>
+            <a:r>
+              <a:rPr lang="en-US" dirty="0"/>
+              <a:t>symposium on User interface software and </a:t>
+            </a:r>
+            <a:r>
+              <a:rPr lang="en-US" dirty="0" smtClean="0"/>
+              <a:t>technology, pages </a:t>
+            </a:r>
+            <a:r>
+              <a:rPr lang="en-US" dirty="0"/>
+              <a:t>159–168. ACM, 2007.</a:t>
+            </a:r>
+          </a:p>
+          <a:p>
+            <a:pPr marL="0" indent="0">
+              <a:buNone/>
+            </a:pPr>
+            <a:r>
+              <a:rPr lang="en-US" dirty="0"/>
+              <a:t>[5] </a:t>
+            </a:r>
+            <a:r>
+              <a:rPr lang="en-US" dirty="0" err="1"/>
+              <a:t>Zygmunt</a:t>
+            </a:r>
+            <a:r>
+              <a:rPr lang="en-US" dirty="0"/>
+              <a:t> </a:t>
+            </a:r>
+            <a:r>
+              <a:rPr lang="en-US" dirty="0" err="1"/>
+              <a:t>Pizlo</a:t>
+            </a:r>
+            <a:r>
+              <a:rPr lang="en-US" dirty="0"/>
+              <a:t>. Perception viewed as an inverse </a:t>
+            </a:r>
+            <a:r>
+              <a:rPr lang="en-US" dirty="0" smtClean="0"/>
+              <a:t>problem. Vision </a:t>
+            </a:r>
+            <a:r>
+              <a:rPr lang="en-US" dirty="0"/>
+              <a:t>Research, 41(24):3145–3161, November 2001.</a:t>
+            </a:r>
+            <a:endParaRPr lang="en-US" dirty="0"/>
+          </a:p>
+        </p:txBody>
+      </p:sp>
+    </p:spTree>
+    <p:extLst>
+      <p:ext uri="{BB962C8B-B14F-4D97-AF65-F5344CB8AC3E}">
+        <p14:creationId xmlns:p14="http://schemas.microsoft.com/office/powerpoint/2010/main" val="3412882855"/>
+      </p:ext>
+    </p:extLst>
+  </p:cSld>
+  <p:clrMapOvr>
+    <a:masterClrMapping/>
+  </p:clrMapOvr>
+  <p:timing>
+    <p:tnLst>
+      <p:par>
+        <p:cTn id="1" dur="indefinite" restart="never" nodeType="tmRoot"/>
+      </p:par>
+    </p:tnLst>
+  </p:timing>
+</p:sld>
+</file>
+
 <file path=ppt/slides/slide2.xml><?xml version="1.0" encoding="utf-8"?>
 <p:sld xmlns:a="http://schemas.openxmlformats.org/drawingml/2006/main" xmlns:r="http://schemas.openxmlformats.org/officeDocument/2006/relationships" xmlns:p="http://schemas.openxmlformats.org/presentationml/2006/main">
   <p:cSld>
@@ -6662,7 +6928,7 @@
                   <a:srgbClr val="FF0000"/>
                 </a:solidFill>
               </a:rPr>
-              <a:t>To develop a gesture recognition system, which will segment the input sequence consisting of multiple gestures, drawn in one stroke, into the constituent gestures and then identify each individual gesture from a predefined set.</a:t>
+              <a:t>To develop a gesture recognition system, which will segment the input sequence consisting of multiple gestures, drawn in one stroke, into the constituent.</a:t>
             </a:r>
           </a:p>
           <a:p>
@@ -6671,14 +6937,8 @@
             </a:pPr>
             <a:r>
               <a:rPr lang="en-US" dirty="0" smtClean="0"/>
-              <a:t>Our primary objective in solving this problem is to have as little training data as possible and to build a quick prototypical system which will be up and running quickly without consuming user’s time.</a:t>
-            </a:r>
-            <a:endParaRPr lang="en-US" dirty="0"/>
-          </a:p>
-          <a:p>
-            <a:pPr marL="0" indent="0">
-              <a:buNone/>
-            </a:pPr>
+              <a:t>Our primary objective in solving this problem is to have a minimal set of training data in order to quickly build a prototype system.</a:t>
+            </a:r>
             <a:endParaRPr lang="en-US" dirty="0"/>
           </a:p>
         </p:txBody>
@@ -6856,7 +7116,7 @@
         </p:spPr>
         <p:txBody>
           <a:bodyPr>
-            <a:normAutofit fontScale="92500" lnSpcReduction="20000"/>
+            <a:normAutofit fontScale="92500"/>
           </a:bodyPr>
           <a:lstStyle/>
           <a:p>
@@ -6880,7 +7140,7 @@
           <a:p>
             <a:r>
               <a:rPr lang="en-US" dirty="0" smtClean="0"/>
-              <a:t>Employs Dynamic Time Warping to decide the minimum distance measure from a given template.</a:t>
+              <a:t>Employs Dynamic Time Warping to decide the distance from a given template.</a:t>
             </a:r>
           </a:p>
           <a:p>
@@ -6981,13 +7241,13 @@
         <p:spPr/>
         <p:txBody>
           <a:bodyPr>
-            <a:normAutofit lnSpcReduction="10000"/>
+            <a:normAutofit/>
           </a:bodyPr>
           <a:lstStyle/>
           <a:p>
             <a:r>
               <a:rPr lang="en-US" dirty="0" smtClean="0"/>
-              <a:t>User draws one of the pre-defined gestures, or adds a new gesture, with the system in training mode.</a:t>
+              <a:t>In training mode, the user draws a template of either an existing or new gesture.</a:t>
             </a:r>
           </a:p>
           <a:p>
@@ -6999,13 +7259,13 @@
           <a:p>
             <a:r>
               <a:rPr lang="en-US" dirty="0" smtClean="0"/>
-              <a:t>If misclassification occurs during training, user can indicate what the correct gesture was meant to be. </a:t>
+              <a:t>If misclassification occurs during training, user can indicate the intended gesture.</a:t>
             </a:r>
           </a:p>
           <a:p>
             <a:r>
               <a:rPr lang="en-US" dirty="0" smtClean="0"/>
-              <a:t>Score next to the shape indicates the distance measure from closest resembling gesture template available.</a:t>
+              <a:t>Score next to the shape (“star”) is based upon a distance measure between the input and the indicated gesture.</a:t>
             </a:r>
             <a:endParaRPr lang="en-US" dirty="0"/>
           </a:p>
@@ -7102,8 +7362,8 @@
           </a:p>
         </p:txBody>
       </p:sp>
-      <mc:AlternateContent xmlns:mc="http://schemas.openxmlformats.org/markup-compatibility/2006">
-        <mc:Choice xmlns:a14="http://schemas.microsoft.com/office/drawing/2010/main" Requires="a14">
+      <mc:AlternateContent xmlns:mc="http://schemas.openxmlformats.org/markup-compatibility/2006" xmlns:a14="http://schemas.microsoft.com/office/drawing/2010/main">
+        <mc:Choice Requires="a14">
           <p:sp>
             <p:nvSpPr>
               <p:cNvPr id="3" name="Content Placeholder 2"/>
@@ -7538,7 +7798,7 @@
             </p:txBody>
           </p:sp>
         </mc:Choice>
-        <mc:Fallback>
+        <mc:Fallback xmlns="">
           <p:sp>
             <p:nvSpPr>
               <p:cNvPr id="3" name="Content Placeholder 2"/>
@@ -7694,7 +7954,7 @@
           <a:p>
             <a:r>
               <a:rPr lang="en-US" dirty="0" smtClean="0"/>
-              <a:t>First 64 equidistant points</a:t>
+              <a:t>Candidate input points</a:t>
             </a:r>
           </a:p>
           <a:p>
@@ -7782,8 +8042,8 @@
         </p:nvSpPr>
         <p:spPr>
           <a:xfrm>
-            <a:off x="8842664" y="3476122"/>
-            <a:ext cx="2722418" cy="369332"/>
+            <a:off x="8842663" y="3476122"/>
+            <a:ext cx="2867891" cy="646331"/>
           </a:xfrm>
           <a:prstGeom prst="rect">
             <a:avLst/>
@@ -7798,7 +8058,7 @@
           <a:p>
             <a:r>
               <a:rPr lang="en-US" dirty="0" smtClean="0"/>
-              <a:t>	Remaining input</a:t>
+              <a:t>Remaining input after splicing off the matched template</a:t>
             </a:r>
             <a:endParaRPr lang="en-US" dirty="0">
               <a:solidFill>
@@ -8026,8 +8286,8 @@
         </p:nvSpPr>
         <p:spPr>
           <a:xfrm>
-            <a:off x="4800734" y="5645181"/>
-            <a:ext cx="3293918" cy="646331"/>
+            <a:off x="4592849" y="5645180"/>
+            <a:ext cx="3221048" cy="646331"/>
           </a:xfrm>
           <a:prstGeom prst="rect">
             <a:avLst/>
@@ -8042,7 +8302,13 @@
           <a:p>
             <a:r>
               <a:rPr lang="en-US" dirty="0" smtClean="0"/>
-              <a:t>First 64 equidistant points from remaining </a:t>
+              <a:t>Next set of candidate points </a:t>
+            </a:r>
+          </a:p>
+          <a:p>
+            <a:r>
+              <a:rPr lang="en-US" dirty="0" smtClean="0"/>
+              <a:t>from remaining </a:t>
             </a:r>
             <a:r>
               <a:rPr lang="en-US" dirty="0"/>
@@ -9782,8 +10048,8 @@
           </a:p>
         </p:txBody>
       </p:sp>
-      <mc:AlternateContent xmlns:mc="http://schemas.openxmlformats.org/markup-compatibility/2006">
-        <mc:Choice xmlns:a14="http://schemas.microsoft.com/office/drawing/2010/main" Requires="a14">
+      <mc:AlternateContent xmlns:mc="http://schemas.openxmlformats.org/markup-compatibility/2006" xmlns:a14="http://schemas.microsoft.com/office/drawing/2010/main">
+        <mc:Choice Requires="a14">
           <p:sp>
             <p:nvSpPr>
               <p:cNvPr id="11" name="TextBox 10"/>
@@ -9792,7 +10058,7 @@
             </p:nvSpPr>
             <p:spPr>
               <a:xfrm>
-                <a:off x="5795962" y="3703289"/>
+                <a:off x="5059940" y="3910686"/>
                 <a:ext cx="5724525" cy="572593"/>
               </a:xfrm>
               <a:prstGeom prst="rect">
@@ -9806,6 +10072,7 @@
               </a:bodyPr>
               <a:lstStyle/>
               <a:p>
+                <a:pPr/>
                 <a14:m>
                   <m:oMathPara xmlns:m="http://schemas.openxmlformats.org/officeDocument/2006/math">
                     <m:oMathParaPr>
@@ -9953,7 +10220,7 @@
             </p:txBody>
           </p:sp>
         </mc:Choice>
-        <mc:Fallback>
+        <mc:Fallback xmlns="">
           <p:sp>
             <p:nvSpPr>
               <p:cNvPr id="11" name="TextBox 10"/>
@@ -9964,7 +10231,7 @@
             </p:nvSpPr>
             <p:spPr>
               <a:xfrm>
-                <a:off x="5795962" y="3703289"/>
+                <a:off x="5059940" y="3910686"/>
                 <a:ext cx="5724525" cy="572593"/>
               </a:xfrm>
               <a:prstGeom prst="rect">
@@ -10022,8 +10289,8 @@
           </a:prstGeom>
         </p:spPr>
       </p:pic>
-      <mc:AlternateContent xmlns:mc="http://schemas.openxmlformats.org/markup-compatibility/2006">
-        <mc:Choice xmlns:a14="http://schemas.microsoft.com/office/drawing/2010/main" Requires="a14">
+      <mc:AlternateContent xmlns:mc="http://schemas.openxmlformats.org/markup-compatibility/2006" xmlns:a14="http://schemas.microsoft.com/office/drawing/2010/main">
+        <mc:Choice Requires="a14">
           <p:sp>
             <p:nvSpPr>
               <p:cNvPr id="13" name="TextBox 12"/>
@@ -10032,7 +10299,7 @@
             </p:nvSpPr>
             <p:spPr>
               <a:xfrm>
-                <a:off x="4581524" y="4543425"/>
+                <a:off x="4919664" y="4554319"/>
                 <a:ext cx="6467475" cy="1754326"/>
               </a:xfrm>
               <a:prstGeom prst="rect">
@@ -10139,7 +10406,7 @@
             </p:txBody>
           </p:sp>
         </mc:Choice>
-        <mc:Fallback>
+        <mc:Fallback xmlns="">
           <p:sp>
             <p:nvSpPr>
               <p:cNvPr id="13" name="TextBox 12"/>
@@ -10150,7 +10417,7 @@
             </p:nvSpPr>
             <p:spPr>
               <a:xfrm>
-                <a:off x="4581524" y="4543425"/>
+                <a:off x="4919664" y="4554319"/>
                 <a:ext cx="6467475" cy="1754326"/>
               </a:xfrm>
               <a:prstGeom prst="rect">
@@ -10159,7 +10426,7 @@
               <a:blipFill rotWithShape="0">
                 <a:blip r:embed="rId4"/>
                 <a:stretch>
-                  <a:fillRect l="-849" t="-1736" b="-4514"/>
+                  <a:fillRect l="-754" t="-1736" b="-4514"/>
                 </a:stretch>
               </a:blipFill>
             </p:spPr>
@@ -10251,31 +10518,29 @@
         <p:spPr/>
         <p:txBody>
           <a:bodyPr>
-            <a:normAutofit fontScale="92500" lnSpcReduction="10000"/>
+            <a:normAutofit/>
           </a:bodyPr>
           <a:lstStyle/>
           <a:p>
             <a:r>
               <a:rPr lang="en-US" dirty="0" smtClean="0"/>
-              <a:t>Training only on individual gestures – lose features indicating a transition from one gesture to another (such as a pause)</a:t>
-            </a:r>
-          </a:p>
-          <a:p>
+              <a:t>Training only on individual gestures </a:t>
+            </a:r>
+            <a:r>
+              <a:rPr lang="en-US" dirty="0" smtClean="0">
+                <a:sym typeface="Wingdings" panose="05000000000000000000" pitchFamily="2" charset="2"/>
+              </a:rPr>
+              <a:t></a:t>
+            </a:r>
             <a:r>
               <a:rPr lang="en-US" dirty="0" smtClean="0"/>
-              <a:t>Alternatively, explore the idea of Hidden Markov Models.</a:t>
+              <a:t> lose features indicating a transition from one gesture to another (such as a pause)</a:t>
             </a:r>
           </a:p>
           <a:p>
             <a:r>
               <a:rPr lang="en-US" dirty="0" smtClean="0"/>
               <a:t>Construct HMMs for each individual gesture in the “gesture library” and then chain HMMs to construct arbitrarily long sequences of gestures. </a:t>
-            </a:r>
-          </a:p>
-          <a:p>
-            <a:r>
-              <a:rPr lang="en-US" dirty="0" smtClean="0"/>
-              <a:t>Throw input sequence to each of these HMMs – the one resulting in the highest Viterbi probability is the desired set of individual gestures.</a:t>
             </a:r>
           </a:p>
           <a:p>
